--- a/프로젝트 발표자료 모음/jsp-servlet 발표 자료/jsp-servlet 발표자료.pptx
+++ b/프로젝트 발표자료 모음/jsp-servlet 발표 자료/jsp-servlet 발표자료.pptx
@@ -4260,8 +4260,8 @@
         </p:nvSpPr>
         <p:spPr>
           <a:xfrm>
-            <a:off x="3501380" y="2505670"/>
-            <a:ext cx="5189241" cy="923330"/>
+            <a:off x="3667290" y="2505670"/>
+            <a:ext cx="4857420" cy="923330"/>
           </a:xfrm>
           <a:prstGeom prst="rect">
             <a:avLst/>
@@ -4276,29 +4276,34 @@
           <a:p>
             <a:pPr algn="ctr"/>
             <a:r>
-              <a:rPr lang="en-US" altLang="ko-KR" sz="5400" dirty="0" err="1">
+              <a:rPr lang="en-US" altLang="ko-KR" sz="5400" dirty="0">
                 <a:solidFill>
                   <a:schemeClr val="bg1"/>
                 </a:solidFill>
               </a:rPr>
-              <a:t>홈쇼핑</a:t>
-            </a:r>
-            <a:r>
-              <a:rPr lang="en-US" altLang="ko-KR" sz="5400" dirty="0">
+              <a:t>JSP </a:t>
+            </a:r>
+            <a:r>
+              <a:rPr lang="ko-KR" altLang="en-US" sz="5400">
                 <a:solidFill>
                   <a:schemeClr val="bg1"/>
                 </a:solidFill>
               </a:rPr>
-              <a:t> </a:t>
-            </a:r>
-            <a:r>
-              <a:rPr lang="en-US" altLang="ko-KR" sz="5400" dirty="0" err="1">
+              <a:t>팀 </a:t>
+            </a:r>
+            <a:r>
+              <a:rPr lang="en-US" altLang="ko-KR" sz="5400">
                 <a:solidFill>
                   <a:schemeClr val="bg1"/>
                 </a:solidFill>
               </a:rPr>
               <a:t>프로젝트</a:t>
             </a:r>
+            <a:endParaRPr lang="en-US" altLang="ko-KR" sz="5400" dirty="0">
+              <a:solidFill>
+                <a:schemeClr val="bg1"/>
+              </a:solidFill>
+            </a:endParaRPr>
           </a:p>
         </p:txBody>
       </p:sp>
@@ -4755,13 +4760,13 @@
   <p:clrMapOvr>
     <a:masterClrMapping/>
   </p:clrMapOvr>
-  <mc:AlternateContent xmlns:mc="http://schemas.openxmlformats.org/markup-compatibility/2006">
-    <mc:Choice xmlns:p14="http://schemas.microsoft.com/office/powerpoint/2010/main" Requires="p14">
+  <mc:AlternateContent xmlns:mc="http://schemas.openxmlformats.org/markup-compatibility/2006" xmlns:p14="http://schemas.microsoft.com/office/powerpoint/2010/main">
+    <mc:Choice Requires="p14">
       <p:transition spd="med" p14:dur="700">
         <p:fade/>
       </p:transition>
     </mc:Choice>
-    <mc:Fallback>
+    <mc:Fallback xmlns="">
       <p:transition spd="med">
         <p:fade/>
       </p:transition>
@@ -7448,13 +7453,13 @@
   <p:clrMapOvr>
     <a:masterClrMapping/>
   </p:clrMapOvr>
-  <mc:AlternateContent xmlns:mc="http://schemas.openxmlformats.org/markup-compatibility/2006">
-    <mc:Choice xmlns:p14="http://schemas.microsoft.com/office/powerpoint/2010/main" Requires="p14">
+  <mc:AlternateContent xmlns:mc="http://schemas.openxmlformats.org/markup-compatibility/2006" xmlns:p14="http://schemas.microsoft.com/office/powerpoint/2010/main">
+    <mc:Choice Requires="p14">
       <p:transition spd="med" p14:dur="700">
         <p:fade/>
       </p:transition>
     </mc:Choice>
-    <mc:Fallback>
+    <mc:Fallback xmlns="">
       <p:transition spd="med">
         <p:fade/>
       </p:transition>
@@ -8951,13 +8956,13 @@
   <p:clrMapOvr>
     <a:masterClrMapping/>
   </p:clrMapOvr>
-  <mc:AlternateContent xmlns:mc="http://schemas.openxmlformats.org/markup-compatibility/2006">
-    <mc:Choice xmlns:p14="http://schemas.microsoft.com/office/powerpoint/2010/main" Requires="p14">
+  <mc:AlternateContent xmlns:mc="http://schemas.openxmlformats.org/markup-compatibility/2006" xmlns:p14="http://schemas.microsoft.com/office/powerpoint/2010/main">
+    <mc:Choice Requires="p14">
       <p:transition spd="med" p14:dur="700">
         <p:fade/>
       </p:transition>
     </mc:Choice>
-    <mc:Fallback>
+    <mc:Fallback xmlns="">
       <p:transition spd="med">
         <p:fade/>
       </p:transition>
@@ -10679,13 +10684,13 @@
   <p:clrMapOvr>
     <a:masterClrMapping/>
   </p:clrMapOvr>
-  <mc:AlternateContent xmlns:mc="http://schemas.openxmlformats.org/markup-compatibility/2006">
-    <mc:Choice xmlns:p14="http://schemas.microsoft.com/office/powerpoint/2010/main" Requires="p14">
+  <mc:AlternateContent xmlns:mc="http://schemas.openxmlformats.org/markup-compatibility/2006" xmlns:p14="http://schemas.microsoft.com/office/powerpoint/2010/main">
+    <mc:Choice Requires="p14">
       <p:transition spd="med" p14:dur="700">
         <p:fade/>
       </p:transition>
     </mc:Choice>
-    <mc:Fallback>
+    <mc:Fallback xmlns="">
       <p:transition spd="med">
         <p:fade/>
       </p:transition>
@@ -13134,13 +13139,13 @@
   <p:clrMapOvr>
     <a:masterClrMapping/>
   </p:clrMapOvr>
-  <mc:AlternateContent xmlns:mc="http://schemas.openxmlformats.org/markup-compatibility/2006">
-    <mc:Choice xmlns:p14="http://schemas.microsoft.com/office/powerpoint/2010/main" Requires="p14">
+  <mc:AlternateContent xmlns:mc="http://schemas.openxmlformats.org/markup-compatibility/2006" xmlns:p14="http://schemas.microsoft.com/office/powerpoint/2010/main">
+    <mc:Choice Requires="p14">
       <p:transition spd="med" p14:dur="700">
         <p:fade/>
       </p:transition>
     </mc:Choice>
-    <mc:Fallback>
+    <mc:Fallback xmlns="">
       <p:transition spd="med">
         <p:fade/>
       </p:transition>
@@ -13322,13 +13327,13 @@
   <p:clrMapOvr>
     <a:masterClrMapping/>
   </p:clrMapOvr>
-  <mc:AlternateContent xmlns:mc="http://schemas.openxmlformats.org/markup-compatibility/2006">
-    <mc:Choice xmlns:p14="http://schemas.microsoft.com/office/powerpoint/2010/main" Requires="p14">
+  <mc:AlternateContent xmlns:mc="http://schemas.openxmlformats.org/markup-compatibility/2006" xmlns:p14="http://schemas.microsoft.com/office/powerpoint/2010/main">
+    <mc:Choice Requires="p14">
       <p:transition spd="med" p14:dur="700">
         <p:fade/>
       </p:transition>
     </mc:Choice>
-    <mc:Fallback>
+    <mc:Fallback xmlns="">
       <p:transition spd="med">
         <p:fade/>
       </p:transition>
